--- a/Lab 01/Resource/LAB1.pptx
+++ b/Lab 01/Resource/LAB1.pptx
@@ -138,6 +138,59 @@
 </p:presentation>
 </file>
 
+<file path=ppt/commentAuthors.xml><?xml version="1.0" encoding="utf-8"?>
+<p:cmAuthorLst xmlns:a="http://schemas.openxmlformats.org/drawingml/2006/main" xmlns:r="http://schemas.openxmlformats.org/officeDocument/2006/relationships" xmlns:p="http://schemas.openxmlformats.org/presentationml/2006/main">
+  <p:cmAuthor id="1" name="Doniel Tripura" initials="DT" lastIdx="4" clrIdx="0">
+    <p:extLst>
+      <p:ext uri="{19B8F6BF-5375-455C-9EA6-DF929625EA0E}">
+        <p15:presenceInfo xmlns:p15="http://schemas.microsoft.com/office/powerpoint/2012/main" userId="60175ab47c8be824" providerId="Windows Live"/>
+      </p:ext>
+    </p:extLst>
+  </p:cmAuthor>
+</p:cmAuthorLst>
+</file>
+
+<file path=ppt/comments/comment1.xml><?xml version="1.0" encoding="utf-8"?>
+<p:cmLst xmlns:a="http://schemas.openxmlformats.org/drawingml/2006/main" xmlns:r="http://schemas.openxmlformats.org/officeDocument/2006/relationships" xmlns:p="http://schemas.openxmlformats.org/presentationml/2006/main">
+  <p:cm authorId="1" dt="2024-06-23T17:32:18.799" idx="1">
+    <p:pos x="2473" y="2961"/>
+    <p:text>Pillow is a Python library that adds image processing capabilities to your interpreter. It’s a friendly fork of the original Python Imaging Library (PIL), which was discontinued in 2011. Pillow provides extensive file format support, an efficient internal representation, and fairly powerful image processing features1. If you’re working with images in Python, Pillow is a great choice! 😊</p:text>
+    <p:extLst>
+      <p:ext uri="{C676402C-5697-4E1C-873F-D02D1690AC5C}">
+        <p15:threadingInfo xmlns:p15="http://schemas.microsoft.com/office/powerpoint/2012/main" timeZoneBias="-360"/>
+      </p:ext>
+    </p:extLst>
+  </p:cm>
+  <p:cm authorId="1" dt="2024-06-23T17:33:06.798" idx="2">
+    <p:pos x="5366" y="2680"/>
+    <p:text>OpenCV (Open Source Computer Vision Library) is an open-source software library for computer vision and machine learning. Originally developed by Intel, it is now maintained by a community of developers under the OpenCV Foundation1. This powerful library provides over 2500 algorithms for real-time computer vision tasks, making it a go-to choice for image processing, object detection, and more. Whether you’re working on face recognition, image manipulation, or other computer vision applications, OpenCV is a valuable tool to have in your toolkit! 😊👍</p:text>
+    <p:extLst>
+      <p:ext uri="{C676402C-5697-4E1C-873F-D02D1690AC5C}">
+        <p15:threadingInfo xmlns:p15="http://schemas.microsoft.com/office/powerpoint/2012/main" timeZoneBias="-360"/>
+      </p:ext>
+    </p:extLst>
+  </p:cm>
+  <p:cm authorId="1" dt="2024-06-23T17:33:37.789" idx="3">
+    <p:pos x="1684" y="3243"/>
+    <p:text>NumPy (Numerical Python) is an open-source Python library that provides support for large, multi-dimensional arrays and matrices. Created by Travis Oliphant in 2005, it’s a powerful tool for scientific computing and data manipulation</p:text>
+    <p:extLst>
+      <p:ext uri="{C676402C-5697-4E1C-873F-D02D1690AC5C}">
+        <p15:threadingInfo xmlns:p15="http://schemas.microsoft.com/office/powerpoint/2012/main" timeZoneBias="-360"/>
+      </p:ext>
+    </p:extLst>
+  </p:cm>
+  <p:cm authorId="1" dt="2024-06-23T17:34:05.564" idx="4">
+    <p:pos x="1978" y="3525"/>
+    <p:text>Matplotlib is a powerful Python library for creating static, animated, and interactive visualizations</p:text>
+    <p:extLst>
+      <p:ext uri="{C676402C-5697-4E1C-873F-D02D1690AC5C}">
+        <p15:threadingInfo xmlns:p15="http://schemas.microsoft.com/office/powerpoint/2012/main" timeZoneBias="-360"/>
+      </p:ext>
+    </p:extLst>
+  </p:cm>
+</p:cmLst>
+</file>
+
 <file path=ppt/notesMasters/notesMaster1.xml><?xml version="1.0" encoding="utf-8"?>
 <p:notesMaster xmlns:a="http://schemas.openxmlformats.org/drawingml/2006/main" xmlns:r="http://schemas.openxmlformats.org/officeDocument/2006/relationships" xmlns:p="http://schemas.openxmlformats.org/presentationml/2006/main">
   <p:cSld>
@@ -220,7 +273,7 @@
           <a:p>
             <a:fld id="{F8AAB62E-2385-49D2-BC61-CC7D828A7D26}" type="datetimeFigureOut">
               <a:rPr lang="en-US" smtClean="0"/>
-              <a:t>2/6/2024</a:t>
+              <a:t>6/23/2024</a:t>
             </a:fld>
             <a:endParaRPr lang="en-US"/>
           </a:p>
@@ -805,7 +858,7 @@
           <a:p>
             <a:fld id="{319736BB-3B66-41B8-87E6-EF8FDBAF7436}" type="datetime1">
               <a:rPr lang="en-US" smtClean="0"/>
-              <a:t>2/6/2024</a:t>
+              <a:t>6/23/2024</a:t>
             </a:fld>
             <a:endParaRPr lang="en-US"/>
           </a:p>
@@ -1003,7 +1056,7 @@
           <a:p>
             <a:fld id="{0636EAE2-3D6F-4866-A13C-F75C58F15157}" type="datetime1">
               <a:rPr lang="en-US" smtClean="0"/>
-              <a:t>2/6/2024</a:t>
+              <a:t>6/23/2024</a:t>
             </a:fld>
             <a:endParaRPr lang="en-US"/>
           </a:p>
@@ -1211,7 +1264,7 @@
           <a:p>
             <a:fld id="{CB553E78-B83A-4781-8D42-136C3E2BA95E}" type="datetime1">
               <a:rPr lang="en-US" smtClean="0"/>
-              <a:t>2/6/2024</a:t>
+              <a:t>6/23/2024</a:t>
             </a:fld>
             <a:endParaRPr lang="en-US"/>
           </a:p>
@@ -1429,7 +1482,7 @@
           <a:p>
             <a:fld id="{D2045A6D-E6EC-4B0B-AEA7-1970BD0A44C9}" type="datetime1">
               <a:rPr lang="en-US" smtClean="0"/>
-              <a:t>2/6/2024</a:t>
+              <a:t>6/23/2024</a:t>
             </a:fld>
             <a:endParaRPr lang="en-US"/>
           </a:p>
@@ -1785,7 +1838,7 @@
           <a:p>
             <a:fld id="{DB250989-71EB-4874-B3B2-0E757C60DB0F}" type="datetime1">
               <a:rPr lang="en-US" smtClean="0"/>
-              <a:t>2/6/2024</a:t>
+              <a:t>6/23/2024</a:t>
             </a:fld>
             <a:endParaRPr lang="en-US"/>
           </a:p>
@@ -2050,7 +2103,7 @@
           <a:p>
             <a:fld id="{67CAB3A7-8D76-4F3B-97AC-4FF7A882D36D}" type="datetime1">
               <a:rPr lang="en-US" smtClean="0"/>
-              <a:t>2/6/2024</a:t>
+              <a:t>6/23/2024</a:t>
             </a:fld>
             <a:endParaRPr lang="en-US"/>
           </a:p>
@@ -2462,7 +2515,7 @@
           <a:p>
             <a:fld id="{7F2AD856-5EBF-4CD7-B205-E9A3806EE8BF}" type="datetime1">
               <a:rPr lang="en-US" smtClean="0"/>
-              <a:t>2/6/2024</a:t>
+              <a:t>6/23/2024</a:t>
             </a:fld>
             <a:endParaRPr lang="en-US"/>
           </a:p>
@@ -2603,7 +2656,7 @@
           <a:p>
             <a:fld id="{386913A0-E657-40BA-B2A2-4664E16746BF}" type="datetime1">
               <a:rPr lang="en-US" smtClean="0"/>
-              <a:t>2/6/2024</a:t>
+              <a:t>6/23/2024</a:t>
             </a:fld>
             <a:endParaRPr lang="en-US"/>
           </a:p>
@@ -2716,7 +2769,7 @@
           <a:p>
             <a:fld id="{B391E34C-47A0-48BB-A7B1-5B332C6BA600}" type="datetime1">
               <a:rPr lang="en-US" smtClean="0"/>
-              <a:t>2/6/2024</a:t>
+              <a:t>6/23/2024</a:t>
             </a:fld>
             <a:endParaRPr lang="en-US"/>
           </a:p>
@@ -3027,7 +3080,7 @@
           <a:p>
             <a:fld id="{A5B25B1D-D8D5-41BE-B04B-DFD70CC95471}" type="datetime1">
               <a:rPr lang="en-US" smtClean="0"/>
-              <a:t>2/6/2024</a:t>
+              <a:t>6/23/2024</a:t>
             </a:fld>
             <a:endParaRPr lang="en-US"/>
           </a:p>
@@ -3315,7 +3368,7 @@
           <a:p>
             <a:fld id="{DD4FC4B8-CCBF-41EB-B223-259EA97D8CF9}" type="datetime1">
               <a:rPr lang="en-US" smtClean="0"/>
-              <a:t>2/6/2024</a:t>
+              <a:t>6/23/2024</a:t>
             </a:fld>
             <a:endParaRPr lang="en-US"/>
           </a:p>
@@ -3556,7 +3609,7 @@
           <a:p>
             <a:fld id="{D28B4765-D284-4DEA-9ACE-1633024C0C5A}" type="datetime1">
               <a:rPr lang="en-US" smtClean="0"/>
-              <a:t>2/6/2024</a:t>
+              <a:t>6/23/2024</a:t>
             </a:fld>
             <a:endParaRPr lang="en-US"/>
           </a:p>
@@ -21847,7 +21900,31 @@
                 <a:effectLst/>
                 <a:latin typeface="Calibri "/>
               </a:rPr>
-              <a:t>It also can perform certain computer vision-specific operations, unlike PIL, like object detection, feature extraction, image segmentation, etc.</a:t>
+              <a:t>It also </a:t>
+            </a:r>
+            <a:r>
+              <a:rPr lang="en-US" b="1" i="0" dirty="0">
+                <a:effectLst/>
+                <a:latin typeface="Calibri "/>
+              </a:rPr>
+              <a:t>can perform certain </a:t>
+            </a:r>
+            <a:r>
+              <a:rPr lang="en-US" b="1" i="0" dirty="0">
+                <a:solidFill>
+                  <a:srgbClr val="FF0000"/>
+                </a:solidFill>
+                <a:effectLst/>
+                <a:latin typeface="Calibri "/>
+              </a:rPr>
+              <a:t>computer vision-specific operations</a:t>
+            </a:r>
+            <a:r>
+              <a:rPr lang="en-US" b="0" i="0" dirty="0">
+                <a:effectLst/>
+                <a:latin typeface="Calibri "/>
+              </a:rPr>
+              <a:t>, unlike PIL, like object detection, feature extraction, image segmentation, etc.</a:t>
             </a:r>
           </a:p>
           <a:p>
